--- a/Project presentation.pptx
+++ b/Project presentation.pptx
@@ -218,7 +218,7 @@
           <a:p>
             <a:fld id="{46256A78-79A6-408F-8148-4F87BB81602D}" type="datetimeFigureOut">
               <a:rPr lang="en-IN" smtClean="0"/>
-              <a:t>24-02-2025</a:t>
+              <a:t>26-02-2025</a:t>
             </a:fld>
             <a:endParaRPr lang="en-IN"/>
           </a:p>
@@ -722,7 +722,7 @@
           <a:p>
             <a:fld id="{ED291B17-9318-49DB-B28B-6E5994AE9581}" type="datetime1">
               <a:rPr lang="en-US" smtClean="0"/>
-              <a:t>2/24/2025</a:t>
+              <a:t>2/26/2025</a:t>
             </a:fld>
             <a:endParaRPr lang="en-US"/>
           </a:p>
@@ -931,7 +931,7 @@
           <a:p>
             <a:fld id="{2CED4963-E985-44C4-B8C4-FDD613B7C2F8}" type="datetime1">
               <a:rPr lang="en-US" smtClean="0"/>
-              <a:t>2/24/2025</a:t>
+              <a:t>2/26/2025</a:t>
             </a:fld>
             <a:endParaRPr lang="en-US"/>
           </a:p>
@@ -1299,7 +1299,7 @@
           <a:p>
             <a:fld id="{ED291B17-9318-49DB-B28B-6E5994AE9581}" type="datetime1">
               <a:rPr lang="en-US" smtClean="0"/>
-              <a:t>2/24/2025</a:t>
+              <a:t>2/26/2025</a:t>
             </a:fld>
             <a:endParaRPr lang="en-US"/>
           </a:p>
@@ -1503,7 +1503,7 @@
           <a:p>
             <a:fld id="{78DD82B9-B8EE-4375-B6FF-88FA6ABB15D9}" type="datetime1">
               <a:rPr lang="en-US" smtClean="0"/>
-              <a:t>2/24/2025</a:t>
+              <a:t>2/26/2025</a:t>
             </a:fld>
             <a:endParaRPr lang="en-US"/>
           </a:p>
@@ -1760,7 +1760,7 @@
           <a:p>
             <a:fld id="{B2497495-0637-405E-AE64-5CC7506D51F5}" type="datetime1">
               <a:rPr lang="en-US" smtClean="0"/>
-              <a:t>2/24/2025</a:t>
+              <a:t>2/26/2025</a:t>
             </a:fld>
             <a:endParaRPr lang="en-US"/>
           </a:p>
@@ -2018,7 +2018,7 @@
           <a:p>
             <a:fld id="{7BFFD690-9426-415D-8B65-26881E07B2D4}" type="datetime1">
               <a:rPr lang="en-US" smtClean="0"/>
-              <a:t>2/24/2025</a:t>
+              <a:t>2/26/2025</a:t>
             </a:fld>
             <a:endParaRPr lang="en-US"/>
           </a:p>
@@ -2445,7 +2445,7 @@
           <a:p>
             <a:fld id="{04C4989A-474C-40DE-95B9-011C28B71673}" type="datetime1">
               <a:rPr lang="en-US" smtClean="0"/>
-              <a:t>2/24/2025</a:t>
+              <a:t>2/26/2025</a:t>
             </a:fld>
             <a:endParaRPr lang="en-US"/>
           </a:p>
@@ -2575,7 +2575,7 @@
           <a:p>
             <a:fld id="{5DB4ED54-5B5E-4A04-93D3-5772E3CE3818}" type="datetime1">
               <a:rPr lang="en-US" smtClean="0"/>
-              <a:t>2/24/2025</a:t>
+              <a:t>2/26/2025</a:t>
             </a:fld>
             <a:endParaRPr lang="en-US"/>
           </a:p>
@@ -2678,7 +2678,7 @@
           <a:p>
             <a:fld id="{4EDE50D6-574B-40AF-946F-D52A04ADE379}" type="datetime1">
               <a:rPr lang="en-US" smtClean="0"/>
-              <a:t>2/24/2025</a:t>
+              <a:t>2/26/2025</a:t>
             </a:fld>
             <a:endParaRPr lang="en-US"/>
           </a:p>
@@ -3061,7 +3061,7 @@
           <a:p>
             <a:fld id="{D82884F1-FFEA-405F-9602-3DCA865EDA4E}" type="datetime1">
               <a:rPr lang="en-US" smtClean="0"/>
-              <a:t>2/24/2025</a:t>
+              <a:t>2/26/2025</a:t>
             </a:fld>
             <a:endParaRPr lang="en-US"/>
           </a:p>
@@ -3355,7 +3355,7 @@
           <a:p>
             <a:fld id="{7E18DB4A-8810-4A10-AD5C-D5E2C667F5B3}" type="datetime1">
               <a:rPr lang="en-US" smtClean="0"/>
-              <a:t>2/24/2025</a:t>
+              <a:t>2/26/2025</a:t>
             </a:fld>
             <a:endParaRPr lang="en-US"/>
           </a:p>
@@ -3576,7 +3576,7 @@
           <a:p>
             <a:fld id="{ED291B17-9318-49DB-B28B-6E5994AE9581}" type="datetime1">
               <a:rPr lang="en-US" smtClean="0"/>
-              <a:t>2/24/2025</a:t>
+              <a:t>2/26/2025</a:t>
             </a:fld>
             <a:endParaRPr lang="en-US"/>
           </a:p>
@@ -6348,8 +6348,8 @@
         </p:nvSpPr>
         <p:spPr bwMode="auto">
           <a:xfrm>
-            <a:off x="0" y="-3154698"/>
-            <a:ext cx="9132628" cy="6309420"/>
+            <a:off x="0" y="-3308586"/>
+            <a:ext cx="9132628" cy="6617196"/>
           </a:xfrm>
           <a:prstGeom prst="rect">
             <a:avLst/>
@@ -7020,6 +7020,40 @@
               </a:rPr>
               <a:t> to hide messages securely.</a:t>
             </a:r>
+          </a:p>
+          <a:p>
+            <a:pPr marL="0" marR="0" lvl="0" indent="0" algn="l" defTabSz="914400" rtl="0" eaLnBrk="0" fontAlgn="base" latinLnBrk="0" hangingPunct="0">
+              <a:lnSpc>
+                <a:spcPct val="100000"/>
+              </a:lnSpc>
+              <a:spcBef>
+                <a:spcPct val="0"/>
+              </a:spcBef>
+              <a:spcAft>
+                <a:spcPct val="0"/>
+              </a:spcAft>
+              <a:buClrTx/>
+              <a:buSzTx/>
+              <a:buFontTx/>
+              <a:buChar char="•"/>
+              <a:tabLst/>
+            </a:pPr>
+            <a:r>
+              <a:rPr lang="en-US" altLang="en-US" sz="2000" dirty="0">
+                <a:latin typeface="Arial" panose="020B0604020202020204" pitchFamily="34" charset="0"/>
+              </a:rPr>
+              <a:t>  UI Design</a:t>
+            </a:r>
+            <a:endParaRPr kumimoji="0" lang="en-US" altLang="en-US" sz="2000" b="0" i="0" u="none" strike="noStrike" cap="none" normalizeH="0" baseline="0" dirty="0">
+              <a:ln>
+                <a:noFill/>
+              </a:ln>
+              <a:solidFill>
+                <a:schemeClr val="tx1"/>
+              </a:solidFill>
+              <a:effectLst/>
+              <a:latin typeface="Arial" panose="020B0604020202020204" pitchFamily="34" charset="0"/>
+            </a:endParaRPr>
           </a:p>
         </p:txBody>
       </p:sp>
@@ -7205,66 +7239,6 @@
           </a:p>
         </p:txBody>
       </p:sp>
-      <p:pic>
-        <p:nvPicPr>
-          <p:cNvPr id="11" name="Picture 10">
-            <a:extLst>
-              <a:ext uri="{FF2B5EF4-FFF2-40B4-BE49-F238E27FC236}">
-                <a16:creationId xmlns:a16="http://schemas.microsoft.com/office/drawing/2014/main" id="{918A05A8-61D0-7E78-B218-9E82FF215335}"/>
-              </a:ext>
-            </a:extLst>
-          </p:cNvPr>
-          <p:cNvPicPr>
-            <a:picLocks noChangeAspect="1"/>
-          </p:cNvPicPr>
-          <p:nvPr/>
-        </p:nvPicPr>
-        <p:blipFill>
-          <a:blip r:embed="rId2"/>
-          <a:stretch>
-            <a:fillRect/>
-          </a:stretch>
-        </p:blipFill>
-        <p:spPr>
-          <a:xfrm>
-            <a:off x="581191" y="4030522"/>
-            <a:ext cx="3875943" cy="1733671"/>
-          </a:xfrm>
-          <a:prstGeom prst="rect">
-            <a:avLst/>
-          </a:prstGeom>
-        </p:spPr>
-      </p:pic>
-      <p:pic>
-        <p:nvPicPr>
-          <p:cNvPr id="13" name="Picture 12">
-            <a:extLst>
-              <a:ext uri="{FF2B5EF4-FFF2-40B4-BE49-F238E27FC236}">
-                <a16:creationId xmlns:a16="http://schemas.microsoft.com/office/drawing/2014/main" id="{F54602D0-193C-A368-5C4D-C65522D59337}"/>
-              </a:ext>
-            </a:extLst>
-          </p:cNvPr>
-          <p:cNvPicPr>
-            <a:picLocks noChangeAspect="1"/>
-          </p:cNvPicPr>
-          <p:nvPr/>
-        </p:nvPicPr>
-        <p:blipFill>
-          <a:blip r:embed="rId2"/>
-          <a:stretch>
-            <a:fillRect/>
-          </a:stretch>
-        </p:blipFill>
-        <p:spPr>
-          <a:xfrm>
-            <a:off x="5636870" y="4075803"/>
-            <a:ext cx="3495758" cy="1643107"/>
-          </a:xfrm>
-          <a:prstGeom prst="rect">
-            <a:avLst/>
-          </a:prstGeom>
-        </p:spPr>
-      </p:pic>
     </p:spTree>
     <p:extLst>
       <p:ext uri="{BB962C8B-B14F-4D97-AF65-F5344CB8AC3E}">
@@ -7481,9 +7455,69 @@
         </p:blipFill>
         <p:spPr>
           <a:xfrm>
-            <a:off x="2138741" y="1301750"/>
-            <a:ext cx="7914518" cy="4673600"/>
+            <a:off x="4567308" y="1427214"/>
+            <a:ext cx="7203058" cy="4253476"/>
           </a:xfrm>
+        </p:spPr>
+      </p:pic>
+      <p:pic>
+        <p:nvPicPr>
+          <p:cNvPr id="5" name="Picture 4">
+            <a:extLst>
+              <a:ext uri="{FF2B5EF4-FFF2-40B4-BE49-F238E27FC236}">
+                <a16:creationId xmlns:a16="http://schemas.microsoft.com/office/drawing/2014/main" id="{78B1F790-1D3A-8B0F-B175-7341B77668B0}"/>
+              </a:ext>
+            </a:extLst>
+          </p:cNvPr>
+          <p:cNvPicPr>
+            <a:picLocks noChangeAspect="1"/>
+          </p:cNvPicPr>
+          <p:nvPr/>
+        </p:nvPicPr>
+        <p:blipFill>
+          <a:blip r:embed="rId3"/>
+          <a:stretch>
+            <a:fillRect/>
+          </a:stretch>
+        </p:blipFill>
+        <p:spPr>
+          <a:xfrm>
+            <a:off x="581192" y="1427214"/>
+            <a:ext cx="3686175" cy="2704717"/>
+          </a:xfrm>
+          <a:prstGeom prst="rect">
+            <a:avLst/>
+          </a:prstGeom>
+        </p:spPr>
+      </p:pic>
+      <p:pic>
+        <p:nvPicPr>
+          <p:cNvPr id="7" name="Picture 6">
+            <a:extLst>
+              <a:ext uri="{FF2B5EF4-FFF2-40B4-BE49-F238E27FC236}">
+                <a16:creationId xmlns:a16="http://schemas.microsoft.com/office/drawing/2014/main" id="{F4371A8D-4238-352B-1DD9-17254A22B7A6}"/>
+              </a:ext>
+            </a:extLst>
+          </p:cNvPr>
+          <p:cNvPicPr>
+            <a:picLocks noChangeAspect="1"/>
+          </p:cNvPicPr>
+          <p:nvPr/>
+        </p:nvPicPr>
+        <p:blipFill>
+          <a:blip r:embed="rId4"/>
+          <a:stretch>
+            <a:fillRect/>
+          </a:stretch>
+        </p:blipFill>
+        <p:spPr>
+          <a:xfrm>
+            <a:off x="668594" y="4326693"/>
+            <a:ext cx="3273220" cy="2401713"/>
+          </a:xfrm>
+          <a:prstGeom prst="rect">
+            <a:avLst/>
+          </a:prstGeom>
         </p:spPr>
       </p:pic>
     </p:spTree>
@@ -8261,23 +8295,6 @@
 </file>
 
 <file path=customXml/item1.xml><?xml version="1.0" encoding="utf-8"?>
-<p:properties xmlns:p="http://schemas.microsoft.com/office/2006/metadata/properties" xmlns:xsi="http://www.w3.org/2001/XMLSchema-instance" xmlns:pc="http://schemas.microsoft.com/office/infopath/2007/PartnerControls">
-  <documentManagement>
-    <_activity xmlns="b30265f8-c5e2-4918-b4a1-b977299ca3e2" xsi:nil="true"/>
-  </documentManagement>
-</p:properties>
-</file>
-
-<file path=customXml/item2.xml><?xml version="1.0" encoding="utf-8"?>
-<?mso-contentType ?>
-<FormTemplates xmlns="http://schemas.microsoft.com/sharepoint/v3/contenttype/forms">
-  <Display>DocumentLibraryForm</Display>
-  <Edit>DocumentLibraryForm</Edit>
-  <New>DocumentLibraryForm</New>
-</FormTemplates>
-</file>
-
-<file path=customXml/item3.xml><?xml version="1.0" encoding="utf-8"?>
 <ct:contentTypeSchema xmlns:ct="http://schemas.microsoft.com/office/2006/metadata/contentType" xmlns:ma="http://schemas.microsoft.com/office/2006/metadata/properties/metaAttributes" ct:_="" ma:_="" ma:contentTypeName="Document" ma:contentTypeID="0x0101007F0268AC5E70984D8FE60B7154176407" ma:contentTypeVersion="15" ma:contentTypeDescription="Create a new document." ma:contentTypeScope="" ma:versionID="104e359103f0f57b1cf9676756e5b944">
   <xsd:schema xmlns:xsd="http://www.w3.org/2001/XMLSchema" xmlns:xs="http://www.w3.org/2001/XMLSchema" xmlns:p="http://schemas.microsoft.com/office/2006/metadata/properties" xmlns:ns3="b30265f8-c5e2-4918-b4a1-b977299ca3e2" xmlns:ns4="fadb41d3-f9cb-40fb-903c-8cacaba95bb5" targetNamespace="http://schemas.microsoft.com/office/2006/metadata/properties" ma:root="true" ma:fieldsID="5615b8f8aa772998bad551f24a33de0e" ns3:_="" ns4:_="">
     <xsd:import namespace="b30265f8-c5e2-4918-b4a1-b977299ca3e2"/>
@@ -8510,32 +8527,24 @@
 </ct:contentTypeSchema>
 </file>
 
-<file path=customXml/itemProps1.xml><?xml version="1.0" encoding="utf-8"?>
-<ds:datastoreItem xmlns:ds="http://schemas.openxmlformats.org/officeDocument/2006/customXml" ds:itemID="{8D289AE2-D2AE-49D1-AFAC-3A79F6794255}">
-  <ds:schemaRefs>
-    <ds:schemaRef ds:uri="http://schemas.openxmlformats.org/package/2006/metadata/core-properties"/>
-    <ds:schemaRef ds:uri="http://schemas.microsoft.com/office/2006/documentManagement/types"/>
-    <ds:schemaRef ds:uri="http://purl.org/dc/dcmitype/"/>
-    <ds:schemaRef ds:uri="http://schemas.microsoft.com/office/infopath/2007/PartnerControls"/>
-    <ds:schemaRef ds:uri="http://purl.org/dc/elements/1.1/"/>
-    <ds:schemaRef ds:uri="http://schemas.microsoft.com/office/2006/metadata/properties"/>
-    <ds:schemaRef ds:uri="fadb41d3-f9cb-40fb-903c-8cacaba95bb5"/>
-    <ds:schemaRef ds:uri="http://purl.org/dc/terms/"/>
-    <ds:schemaRef ds:uri="b30265f8-c5e2-4918-b4a1-b977299ca3e2"/>
-    <ds:schemaRef ds:uri="http://www.w3.org/XML/1998/namespace"/>
-  </ds:schemaRefs>
-</ds:datastoreItem>
+<file path=customXml/item2.xml><?xml version="1.0" encoding="utf-8"?>
+<?mso-contentType ?>
+<FormTemplates xmlns="http://schemas.microsoft.com/sharepoint/v3/contenttype/forms">
+  <Display>DocumentLibraryForm</Display>
+  <Edit>DocumentLibraryForm</Edit>
+  <New>DocumentLibraryForm</New>
+</FormTemplates>
 </file>
 
-<file path=customXml/itemProps2.xml><?xml version="1.0" encoding="utf-8"?>
-<ds:datastoreItem xmlns:ds="http://schemas.openxmlformats.org/officeDocument/2006/customXml" ds:itemID="{927BD4C1-B6B1-4715-ABF9-E660A51A4EA0}">
-  <ds:schemaRefs>
-    <ds:schemaRef ds:uri="http://schemas.microsoft.com/sharepoint/v3/contenttype/forms"/>
-  </ds:schemaRefs>
-</ds:datastoreItem>
+<file path=customXml/item3.xml><?xml version="1.0" encoding="utf-8"?>
+<p:properties xmlns:p="http://schemas.microsoft.com/office/2006/metadata/properties" xmlns:xsi="http://www.w3.org/2001/XMLSchema-instance" xmlns:pc="http://schemas.microsoft.com/office/infopath/2007/PartnerControls">
+  <documentManagement>
+    <_activity xmlns="b30265f8-c5e2-4918-b4a1-b977299ca3e2" xsi:nil="true"/>
+  </documentManagement>
+</p:properties>
 </file>
 
-<file path=customXml/itemProps3.xml><?xml version="1.0" encoding="utf-8"?>
+<file path=customXml/itemProps1.xml><?xml version="1.0" encoding="utf-8"?>
 <ds:datastoreItem xmlns:ds="http://schemas.openxmlformats.org/officeDocument/2006/customXml" ds:itemID="{9DD71778-17EE-4151-88AE-C8F4E8043BD9}">
   <ds:schemaRefs>
     <ds:schemaRef ds:uri="http://schemas.microsoft.com/office/2006/metadata/contentType"/>
@@ -8552,4 +8561,29 @@
     <ds:schemaRef ds:uri="http://schemas.microsoft.com/internal/obd"/>
   </ds:schemaRefs>
 </ds:datastoreItem>
+</file>
+
+<file path=customXml/itemProps2.xml><?xml version="1.0" encoding="utf-8"?>
+<ds:datastoreItem xmlns:ds="http://schemas.openxmlformats.org/officeDocument/2006/customXml" ds:itemID="{927BD4C1-B6B1-4715-ABF9-E660A51A4EA0}">
+  <ds:schemaRefs>
+    <ds:schemaRef ds:uri="http://schemas.microsoft.com/sharepoint/v3/contenttype/forms"/>
+  </ds:schemaRefs>
+</ds:datastoreItem>
+</file>
+
+<file path=customXml/itemProps3.xml><?xml version="1.0" encoding="utf-8"?>
+<ds:datastoreItem xmlns:ds="http://schemas.openxmlformats.org/officeDocument/2006/customXml" ds:itemID="{8D289AE2-D2AE-49D1-AFAC-3A79F6794255}">
+  <ds:schemaRefs>
+    <ds:schemaRef ds:uri="http://schemas.openxmlformats.org/package/2006/metadata/core-properties"/>
+    <ds:schemaRef ds:uri="http://schemas.microsoft.com/office/2006/documentManagement/types"/>
+    <ds:schemaRef ds:uri="http://purl.org/dc/dcmitype/"/>
+    <ds:schemaRef ds:uri="http://schemas.microsoft.com/office/infopath/2007/PartnerControls"/>
+    <ds:schemaRef ds:uri="http://purl.org/dc/elements/1.1/"/>
+    <ds:schemaRef ds:uri="http://schemas.microsoft.com/office/2006/metadata/properties"/>
+    <ds:schemaRef ds:uri="fadb41d3-f9cb-40fb-903c-8cacaba95bb5"/>
+    <ds:schemaRef ds:uri="http://purl.org/dc/terms/"/>
+    <ds:schemaRef ds:uri="b30265f8-c5e2-4918-b4a1-b977299ca3e2"/>
+    <ds:schemaRef ds:uri="http://www.w3.org/XML/1998/namespace"/>
+  </ds:schemaRefs>
+</ds:datastoreItem>
 </file>